--- a/static/image.pptx
+++ b/static/image.pptx
@@ -3088,9 +3088,43 @@
         <p:nvPr/>
       </p:nvGrpSpPr>
       <p:grpSpPr/>
+      <p:sp>
+        <p:nvSpPr>
+          <p:cNvPr id="2" name="Title 1"/>
+          <p:cNvSpPr>
+            <a:spLocks noGrp="1"/>
+          </p:cNvSpPr>
+          <p:nvPr>
+            <p:ph type="title"/>
+          </p:nvPr>
+        </p:nvSpPr>
+        <p:spPr/>
+        <p:txBody>
+          <a:bodyPr/>
+          <a:lstStyle/>
+          <a:p/>
+        </p:txBody>
+      </p:sp>
+      <p:sp>
+        <p:nvSpPr>
+          <p:cNvPr id="3" name="Content Placeholder 2"/>
+          <p:cNvSpPr>
+            <a:spLocks noGrp="1"/>
+          </p:cNvSpPr>
+          <p:nvPr>
+            <p:ph idx="1"/>
+          </p:nvPr>
+        </p:nvSpPr>
+        <p:spPr/>
+        <p:txBody>
+          <a:bodyPr/>
+          <a:lstStyle/>
+          <a:p/>
+        </p:txBody>
+      </p:sp>
       <p:pic>
         <p:nvPicPr>
-          <p:cNvPr id="2" name="Picture 1" descr="logo.png"/>
+          <p:cNvPr id="4" name="Picture 3" descr="logo.png"/>
           <p:cNvPicPr>
             <a:picLocks noChangeAspect="1"/>
           </p:cNvPicPr>
@@ -3104,32 +3138,8 @@
         </p:blipFill>
         <p:spPr>
           <a:xfrm>
-            <a:off x="914400" y="914400"/>
-            <a:ext cx="3810000" cy="3810000"/>
-          </a:xfrm>
-          <a:prstGeom prst="rect">
-            <a:avLst/>
-          </a:prstGeom>
-        </p:spPr>
-      </p:pic>
-      <p:pic>
-        <p:nvPicPr>
-          <p:cNvPr id="3" name="Picture 2" descr="logo.png"/>
-          <p:cNvPicPr>
-            <a:picLocks noChangeAspect="1"/>
-          </p:cNvPicPr>
-          <p:nvPr/>
-        </p:nvPicPr>
-        <p:blipFill>
-          <a:blip r:embed="rId2"/>
-          <a:stretch>
-            <a:fillRect/>
-          </a:stretch>
-        </p:blipFill>
-        <p:spPr>
-          <a:xfrm>
-            <a:off x="4572000" y="914400"/>
-            <a:ext cx="5029200" cy="5029200"/>
+            <a:off x="1828800" y="1828800"/>
+            <a:ext cx="4572000" cy="4572000"/>
           </a:xfrm>
           <a:prstGeom prst="rect">
             <a:avLst/>
